--- a/PPT/4 vi编辑器的使用.pptx
+++ b/PPT/4 vi编辑器的使用.pptx
@@ -126,7 +126,7 @@
   </p:defaultTextStyle>
   <p:extLst>
     <p:ext uri="{EFAFB233-063F-42B5-8137-9DF3F51BA10A}">
-      <p15:sldGuideLst xmlns:p15="http://schemas.microsoft.com/office/powerpoint/2012/main"/>
+      <p15:sldGuideLst xmlns:p15="http://schemas.microsoft.com/office/powerpoint/2012/main" xmlns=""/>
     </p:ext>
   </p:extLst>
 </p:presentation>
@@ -214,7 +214,7 @@
           <a:p>
             <a:fld id="{00C1DF01-E9E9-4B0D-8D31-8F1887D834E2}" type="datetimeFigureOut">
               <a:rPr lang="zh-CN" altLang="en-US" smtClean="0"/>
-              <a:t>2017/8/30</a:t>
+              <a:t>2017/9/5</a:t>
             </a:fld>
             <a:endParaRPr lang="zh-CN" altLang="en-US"/>
           </a:p>
@@ -763,7 +763,7 @@
             <a:fld id="{B61BEF0D-F0BB-DE4B-95CE-6DB70DBA9567}" type="datetimeFigureOut">
               <a:rPr lang="en-US" dirty="0"/>
               <a:pPr/>
-              <a:t>8/30/2017</a:t>
+              <a:t>9/5/2017</a:t>
             </a:fld>
             <a:endParaRPr lang="en-US" dirty="0"/>
           </a:p>
@@ -988,7 +988,7 @@
             <a:fld id="{B61BEF0D-F0BB-DE4B-95CE-6DB70DBA9567}" type="datetimeFigureOut">
               <a:rPr lang="en-US" dirty="0"/>
               <a:pPr/>
-              <a:t>8/30/2017</a:t>
+              <a:t>9/5/2017</a:t>
             </a:fld>
             <a:endParaRPr lang="en-US" dirty="0"/>
           </a:p>
@@ -1342,7 +1342,7 @@
             <a:fld id="{B61BEF0D-F0BB-DE4B-95CE-6DB70DBA9567}" type="datetimeFigureOut">
               <a:rPr lang="en-US" dirty="0"/>
               <a:pPr/>
-              <a:t>8/30/2017</a:t>
+              <a:t>9/5/2017</a:t>
             </a:fld>
             <a:endParaRPr lang="en-US" dirty="0"/>
           </a:p>
@@ -1759,7 +1759,7 @@
             <a:fld id="{B61BEF0D-F0BB-DE4B-95CE-6DB70DBA9567}" type="datetimeFigureOut">
               <a:rPr lang="en-US" dirty="0"/>
               <a:pPr/>
-              <a:t>8/30/2017</a:t>
+              <a:t>9/5/2017</a:t>
             </a:fld>
             <a:endParaRPr lang="en-US" dirty="0"/>
           </a:p>
@@ -2111,7 +2111,7 @@
             <a:fld id="{B61BEF0D-F0BB-DE4B-95CE-6DB70DBA9567}" type="datetimeFigureOut">
               <a:rPr lang="en-US" dirty="0"/>
               <a:pPr/>
-              <a:t>8/30/2017</a:t>
+              <a:t>9/5/2017</a:t>
             </a:fld>
             <a:endParaRPr lang="en-US" dirty="0"/>
           </a:p>
@@ -2447,7 +2447,7 @@
             <a:fld id="{B61BEF0D-F0BB-DE4B-95CE-6DB70DBA9567}" type="datetimeFigureOut">
               <a:rPr lang="en-US" dirty="0"/>
               <a:pPr/>
-              <a:t>8/30/2017</a:t>
+              <a:t>9/5/2017</a:t>
             </a:fld>
             <a:endParaRPr lang="en-US" dirty="0"/>
           </a:p>
@@ -2859,7 +2859,7 @@
             <a:fld id="{B61BEF0D-F0BB-DE4B-95CE-6DB70DBA9567}" type="datetimeFigureOut">
               <a:rPr lang="en-US" dirty="0"/>
               <a:pPr/>
-              <a:t>8/30/2017</a:t>
+              <a:t>9/5/2017</a:t>
             </a:fld>
             <a:endParaRPr lang="en-US" dirty="0"/>
           </a:p>
@@ -3132,7 +3132,7 @@
             <a:fld id="{B61BEF0D-F0BB-DE4B-95CE-6DB70DBA9567}" type="datetimeFigureOut">
               <a:rPr lang="en-US" dirty="0"/>
               <a:pPr/>
-              <a:t>8/30/2017</a:t>
+              <a:t>9/5/2017</a:t>
             </a:fld>
             <a:endParaRPr lang="en-US" dirty="0"/>
           </a:p>
@@ -3415,7 +3415,7 @@
             <a:fld id="{B61BEF0D-F0BB-DE4B-95CE-6DB70DBA9567}" type="datetimeFigureOut">
               <a:rPr lang="en-US" dirty="0"/>
               <a:pPr/>
-              <a:t>8/30/2017</a:t>
+              <a:t>9/5/2017</a:t>
             </a:fld>
             <a:endParaRPr lang="en-US" dirty="0"/>
           </a:p>
@@ -4001,7 +4001,7 @@
             <a:fld id="{B61BEF0D-F0BB-DE4B-95CE-6DB70DBA9567}" type="datetimeFigureOut">
               <a:rPr lang="en-US" dirty="0"/>
               <a:pPr/>
-              <a:t>8/30/2017</a:t>
+              <a:t>9/5/2017</a:t>
             </a:fld>
             <a:endParaRPr lang="en-US" dirty="0"/>
           </a:p>
@@ -4340,7 +4340,7 @@
             <a:fld id="{B61BEF0D-F0BB-DE4B-95CE-6DB70DBA9567}" type="datetimeFigureOut">
               <a:rPr lang="en-US" dirty="0"/>
               <a:pPr/>
-              <a:t>8/30/2017</a:t>
+              <a:t>9/5/2017</a:t>
             </a:fld>
             <a:endParaRPr lang="en-US" dirty="0"/>
           </a:p>
@@ -4813,7 +4813,7 @@
             <a:fld id="{B61BEF0D-F0BB-DE4B-95CE-6DB70DBA9567}" type="datetimeFigureOut">
               <a:rPr lang="en-US" dirty="0"/>
               <a:pPr/>
-              <a:t>8/30/2017</a:t>
+              <a:t>9/5/2017</a:t>
             </a:fld>
             <a:endParaRPr lang="en-US" dirty="0"/>
           </a:p>
@@ -5034,7 +5034,7 @@
             <a:fld id="{B61BEF0D-F0BB-DE4B-95CE-6DB70DBA9567}" type="datetimeFigureOut">
               <a:rPr lang="en-US" dirty="0"/>
               <a:pPr/>
-              <a:t>8/30/2017</a:t>
+              <a:t>9/5/2017</a:t>
             </a:fld>
             <a:endParaRPr lang="en-US" dirty="0"/>
           </a:p>
@@ -5232,7 +5232,7 @@
             <a:fld id="{B61BEF0D-F0BB-DE4B-95CE-6DB70DBA9567}" type="datetimeFigureOut">
               <a:rPr lang="en-US" dirty="0"/>
               <a:pPr/>
-              <a:t>8/30/2017</a:t>
+              <a:t>9/5/2017</a:t>
             </a:fld>
             <a:endParaRPr lang="en-US" dirty="0"/>
           </a:p>
@@ -5586,7 +5586,7 @@
             <a:fld id="{B61BEF0D-F0BB-DE4B-95CE-6DB70DBA9567}" type="datetimeFigureOut">
               <a:rPr lang="en-US" dirty="0"/>
               <a:pPr/>
-              <a:t>8/30/2017</a:t>
+              <a:t>9/5/2017</a:t>
             </a:fld>
             <a:endParaRPr lang="en-US" dirty="0"/>
           </a:p>
@@ -9843,12 +9843,16 @@
               <a:t>使用</a:t>
             </a:r>
             <a:r>
-              <a:rPr lang="en-US" altLang="zh-CN" dirty="0" smtClean="0"/>
-              <a:t>GG</a:t>
+              <a:rPr lang="en-US" altLang="zh-CN" dirty="0" err="1" smtClean="0"/>
+              <a:t>gg</a:t>
             </a:r>
             <a:r>
               <a:rPr lang="zh-CN" altLang="en-US" dirty="0" smtClean="0"/>
-              <a:t>，将光标移动到第一行第一个字符</a:t>
+              <a:t>，</a:t>
+            </a:r>
+            <a:r>
+              <a:rPr lang="zh-CN" altLang="en-US" dirty="0" smtClean="0"/>
+              <a:t>将光标移动到第一行第一个字符</a:t>
             </a:r>
             <a:endParaRPr lang="en-US" altLang="zh-CN" dirty="0" smtClean="0"/>
           </a:p>
@@ -14724,7 +14728,7 @@
             <p:ph idx="1"/>
             <p:extLst>
               <p:ext uri="{D42A27DB-BD31-4B8C-83A1-F6EECF244321}">
-                <p14:modId xmlns:p14="http://schemas.microsoft.com/office/powerpoint/2010/main" val="208225536"/>
+                <p14:modId xmlns:p14="http://schemas.microsoft.com/office/powerpoint/2010/main" val="2625785167"/>
               </p:ext>
             </p:extLst>
           </p:nvPr>
@@ -15375,7 +15379,7 @@
                           <a:ea typeface="楷体" panose="02010609060101010101" pitchFamily="49" charset="-122"/>
                           <a:cs typeface="+mn-cs"/>
                         </a:rPr>
-                        <a:t>【v】</a:t>
+                        <a:t>【:】</a:t>
                       </a:r>
                       <a:r>
                         <a:rPr lang="zh-CN" altLang="en-US" sz="2800" b="1" i="0" kern="1200" baseline="0" dirty="0" smtClean="0">
@@ -15411,20 +15415,6 @@
                     <a:bodyPr/>
                     <a:lstStyle/>
                     <a:p>
-                      <a:r>
-                        <a:rPr lang="zh-CN" altLang="en-US" sz="2800" b="1" i="0" kern="1200" baseline="0" dirty="0" smtClean="0">
-                          <a:solidFill>
-                            <a:schemeClr val="tx1">
-                              <a:lumMod val="75000"/>
-                              <a:lumOff val="25000"/>
-                            </a:schemeClr>
-                          </a:solidFill>
-                          <a:latin typeface="Times New Roman" panose="02020603050405020304" pitchFamily="18" charset="0"/>
-                          <a:ea typeface="楷体" panose="02010609060101010101" pitchFamily="49" charset="-122"/>
-                          <a:cs typeface="+mn-cs"/>
-                        </a:rPr>
-                        <a:t>？</a:t>
-                      </a:r>
                       <a:endParaRPr lang="zh-CN" altLang="en-US" sz="2800" b="1" i="0" kern="1200" baseline="0" dirty="0">
                         <a:solidFill>
                           <a:schemeClr val="tx1">
@@ -15828,7 +15818,7 @@
         <p:spPr/>
         <p:txBody>
           <a:bodyPr>
-            <a:normAutofit lnSpcReduction="10000"/>
+            <a:normAutofit fontScale="92500" lnSpcReduction="10000"/>
           </a:bodyPr>
           <a:lstStyle/>
           <a:p>
@@ -15925,12 +15915,33 @@
             </a:r>
             <a:r>
               <a:rPr lang="zh-CN" altLang="en-US" dirty="0" smtClean="0"/>
-              <a:t>，</a:t>
+              <a:t>（向下），</a:t>
             </a:r>
             <a:r>
               <a:rPr lang="en-US" altLang="zh-CN" dirty="0" smtClean="0"/>
-              <a:t>20k,50L,20h</a:t>
-            </a:r>
+              <a:t>20k</a:t>
+            </a:r>
+            <a:r>
+              <a:rPr lang="zh-CN" altLang="en-US" dirty="0" smtClean="0"/>
+              <a:t>（向上）</a:t>
+            </a:r>
+            <a:r>
+              <a:rPr lang="en-US" altLang="zh-CN" dirty="0" smtClean="0"/>
+              <a:t>,50l</a:t>
+            </a:r>
+            <a:r>
+              <a:rPr lang="zh-CN" altLang="en-US" dirty="0" smtClean="0"/>
+              <a:t>（向右）</a:t>
+            </a:r>
+            <a:r>
+              <a:rPr lang="en-US" altLang="zh-CN" dirty="0" smtClean="0"/>
+              <a:t>,20h</a:t>
+            </a:r>
+            <a:r>
+              <a:rPr lang="zh-CN" altLang="en-US" dirty="0" smtClean="0"/>
+              <a:t>（向左），推荐使用方向键</a:t>
+            </a:r>
+            <a:endParaRPr lang="en-US" altLang="zh-CN" dirty="0" smtClean="0"/>
           </a:p>
           <a:p>
             <a:r>
@@ -15950,8 +15961,8 @@
           <a:p>
             <a:pPr lvl="1"/>
             <a:r>
-              <a:rPr lang="en-US" altLang="zh-CN" dirty="0" smtClean="0"/>
-              <a:t>GG</a:t>
+              <a:rPr lang="en-US" altLang="zh-CN" dirty="0" err="1" smtClean="0"/>
+              <a:t>gg</a:t>
             </a:r>
             <a:r>
               <a:rPr lang="zh-CN" altLang="en-US" dirty="0" smtClean="0"/>
@@ -17470,7 +17481,7 @@
   <a:extraClrSchemeLst/>
   <a:extLst>
     <a:ext uri="{05A4C25C-085E-4340-85A3-A5531E510DB2}">
-      <thm15:themeFamily xmlns:thm15="http://schemas.microsoft.com/office/thememl/2012/main" name="Wisp" id="{7CB32D59-10C0-40DD-B7BD-2E94284A981C}" vid="{24B1A44C-C006-48B2-A4D7-E5549B3D8CD4}"/>
+      <thm15:themeFamily xmlns:thm15="http://schemas.microsoft.com/office/thememl/2012/main" xmlns="" name="Wisp" id="{7CB32D59-10C0-40DD-B7BD-2E94284A981C}" vid="{24B1A44C-C006-48B2-A4D7-E5549B3D8CD4}"/>
     </a:ext>
   </a:extLst>
 </a:theme>
@@ -17731,7 +17742,7 @@
   <a:extraClrSchemeLst/>
   <a:extLst>
     <a:ext uri="{05A4C25C-085E-4340-85A3-A5531E510DB2}">
-      <thm15:themeFamily xmlns:thm15="http://schemas.microsoft.com/office/thememl/2012/main" name="Office Theme" id="{62F939B6-93AF-4DB8-9C6B-D6C7DFDC589F}" vid="{4A3C46E8-61CC-4603-A589-7422A47A8E4A}"/>
+      <thm15:themeFamily xmlns:thm15="http://schemas.microsoft.com/office/thememl/2012/main" xmlns="" name="Office Theme" id="{62F939B6-93AF-4DB8-9C6B-D6C7DFDC589F}" vid="{4A3C46E8-61CC-4603-A589-7422A47A8E4A}"/>
     </a:ext>
   </a:extLst>
 </a:theme>
